--- a/Prezentatsia.pptx
+++ b/Prezentatsia.pptx
@@ -6220,7 +6220,7 @@
           <p:cNvPr id="2" name="Заголовок 1">
             <a:extLst>
               <a:ext uri="{FF2B5EF4-FFF2-40B4-BE49-F238E27FC236}">
-                <a16:creationId xmlns="" xmlns:a16="http://schemas.microsoft.com/office/drawing/2014/main" id="{AF5A02A2-5430-6049-BDB4-2AB6DA77A7C9}"/>
+                <a16:creationId xmlns:a16="http://schemas.microsoft.com/office/drawing/2014/main" xmlns="" id="{AF5A02A2-5430-6049-BDB4-2AB6DA77A7C9}"/>
               </a:ext>
             </a:extLst>
           </p:cNvPr>
@@ -6257,7 +6257,7 @@
           <p:cNvPr id="3" name="Подзаголовок 2">
             <a:extLst>
               <a:ext uri="{FF2B5EF4-FFF2-40B4-BE49-F238E27FC236}">
-                <a16:creationId xmlns="" xmlns:a16="http://schemas.microsoft.com/office/drawing/2014/main" id="{275ED7F9-EF2E-0F48-B481-7D4FD2C099E9}"/>
+                <a16:creationId xmlns:a16="http://schemas.microsoft.com/office/drawing/2014/main" xmlns="" id="{275ED7F9-EF2E-0F48-B481-7D4FD2C099E9}"/>
               </a:ext>
             </a:extLst>
           </p:cNvPr>
@@ -6320,7 +6320,7 @@
           <p:cNvPr id="2" name="Заголовок 1">
             <a:extLst>
               <a:ext uri="{FF2B5EF4-FFF2-40B4-BE49-F238E27FC236}">
-                <a16:creationId xmlns="" xmlns:a16="http://schemas.microsoft.com/office/drawing/2014/main" id="{4E6294B4-349C-8A48-B037-00FB4F3855E9}"/>
+                <a16:creationId xmlns:a16="http://schemas.microsoft.com/office/drawing/2014/main" xmlns="" id="{4E6294B4-349C-8A48-B037-00FB4F3855E9}"/>
               </a:ext>
             </a:extLst>
           </p:cNvPr>
@@ -6352,7 +6352,7 @@
           <p:cNvPr id="3" name="Объект 2">
             <a:extLst>
               <a:ext uri="{FF2B5EF4-FFF2-40B4-BE49-F238E27FC236}">
-                <a16:creationId xmlns="" xmlns:a16="http://schemas.microsoft.com/office/drawing/2014/main" id="{A2050B67-9F3F-0244-A175-649A6A9C4049}"/>
+                <a16:creationId xmlns:a16="http://schemas.microsoft.com/office/drawing/2014/main" xmlns="" id="{A2050B67-9F3F-0244-A175-649A6A9C4049}"/>
               </a:ext>
             </a:extLst>
           </p:cNvPr>
@@ -6376,11 +6376,7 @@
           <a:p>
             <a:r>
               <a:rPr lang="ru-RU" i="1" dirty="0" smtClean="0"/>
-              <a:t>Вы играете за геометрическую фигуру, главная цель – </a:t>
-            </a:r>
-            <a:r>
-              <a:rPr lang="ru-RU" i="1" dirty="0" smtClean="0"/>
-              <a:t>перепрыгивать через шипы. С течением времени вы набираете очки.</a:t>
+              <a:t>Вы играете за геометрическую фигуру, главная цель – перепрыгивать через шипы. С течением времени вы набираете очки.</a:t>
             </a:r>
             <a:endParaRPr lang="ru-RU" i="1" dirty="0"/>
           </a:p>
@@ -6470,31 +6466,42 @@
           <a:p>
             <a:r>
               <a:rPr lang="ru-RU" dirty="0" smtClean="0"/>
-              <a:t>Все очень просто – вы должны прыгать, тем самым преодолевая преграды.</a:t>
-            </a:r>
-          </a:p>
-          <a:p>
+              <a:t>Все очень просто – сперва Вы должны запустить файл «</a:t>
+            </a:r>
+            <a:r>
+              <a:rPr lang="en-US" dirty="0" smtClean="0"/>
+              <a:t>main_game.py</a:t>
+            </a:r>
             <a:r>
               <a:rPr lang="ru-RU" dirty="0" smtClean="0"/>
-              <a:t>Пробел или нажатие левой кнопки мыши </a:t>
-            </a:r>
+              <a:t>»</a:t>
+            </a:r>
+            <a:r>
+              <a:rPr lang="en-US" dirty="0" smtClean="0"/>
+              <a:t>.</a:t>
+            </a:r>
+            <a:endParaRPr lang="ru-RU" dirty="0" smtClean="0"/>
+          </a:p>
+          <a:p>
             <a:r>
               <a:rPr lang="ru-RU" dirty="0" smtClean="0"/>
-              <a:t>– одинарный прыжок</a:t>
-            </a:r>
-          </a:p>
-          <a:p>
+              <a:t>Ваша задача заключается в том, что Вы </a:t>
+            </a:r>
             <a:r>
               <a:rPr lang="ru-RU" dirty="0" smtClean="0"/>
-              <a:t>Зажатие </a:t>
-            </a:r>
+              <a:t>должны прыгать, тем самым преодолевая преграды.</a:t>
+            </a:r>
+          </a:p>
+          <a:p>
             <a:r>
               <a:rPr lang="ru-RU" dirty="0" smtClean="0"/>
-              <a:t>пробела или левой кнопки мыши </a:t>
-            </a:r>
+              <a:t>Пробел или нажатие левой кнопки мыши – одинарный прыжок</a:t>
+            </a:r>
+          </a:p>
+          <a:p>
             <a:r>
               <a:rPr lang="ru-RU" dirty="0" smtClean="0"/>
-              <a:t>– цикл прыжков до момента </a:t>
+              <a:t>Зажатие пробела или левой кнопки мыши – цикл прыжков до момента </a:t>
             </a:r>
             <a:r>
               <a:rPr lang="ru-RU" dirty="0" err="1" smtClean="0"/>
@@ -6502,8 +6509,13 @@
             </a:r>
             <a:r>
               <a:rPr lang="ru-RU" dirty="0" smtClean="0"/>
-              <a:t> клавиши.</a:t>
-            </a:r>
+              <a:t> </a:t>
+            </a:r>
+            <a:r>
+              <a:rPr lang="ru-RU" dirty="0" smtClean="0"/>
+              <a:t>клавиши или левой кнопки мыши.</a:t>
+            </a:r>
+            <a:endParaRPr lang="ru-RU" dirty="0" smtClean="0"/>
           </a:p>
         </p:txBody>
       </p:sp>
@@ -6616,7 +6628,23 @@
           <a:p>
             <a:r>
               <a:rPr lang="ru-RU" dirty="0" smtClean="0"/>
-              <a:t>В игре ты легко тренируешь координацию движений и реакцию</a:t>
+              <a:t>В игре </a:t>
+            </a:r>
+            <a:r>
+              <a:rPr lang="ru-RU" dirty="0" smtClean="0"/>
+              <a:t>Вы </a:t>
+            </a:r>
+            <a:r>
+              <a:rPr lang="ru-RU" dirty="0" smtClean="0"/>
+              <a:t>легко </a:t>
+            </a:r>
+            <a:r>
+              <a:rPr lang="ru-RU" dirty="0" smtClean="0"/>
+              <a:t>тренируетесь </a:t>
+            </a:r>
+            <a:r>
+              <a:rPr lang="ru-RU" dirty="0" smtClean="0"/>
+              <a:t>координацию движений и реакцию</a:t>
             </a:r>
             <a:endParaRPr lang="ru-RU" dirty="0"/>
           </a:p>
@@ -7138,7 +7166,7 @@
   <a:extraClrSchemeLst/>
   <a:extLst>
     <a:ext uri="{05A4C25C-085E-4340-85A3-A5531E510DB2}">
-      <thm15:themeFamily xmlns="" xmlns:thm15="http://schemas.microsoft.com/office/thememl/2012/main" name="Celestial" id="{C4BB2A3D-0E93-4C5F-B0D2-9D3FCE089CC5}" vid="{42E5908D-19A2-46FD-89FA-638B126129EF}"/>
+      <thm15:themeFamily xmlns:thm15="http://schemas.microsoft.com/office/thememl/2012/main" xmlns="" name="Celestial" id="{C4BB2A3D-0E93-4C5F-B0D2-9D3FCE089CC5}" vid="{42E5908D-19A2-46FD-89FA-638B126129EF}"/>
     </a:ext>
   </a:extLst>
 </a:theme>
@@ -7433,7 +7461,7 @@
   <a:extraClrSchemeLst/>
   <a:extLst>
     <a:ext uri="{05A4C25C-085E-4340-85A3-A5531E510DB2}">
-      <thm15:themeFamily xmlns="" xmlns:thm15="http://schemas.microsoft.com/office/thememl/2012/main" name="Office Theme" id="{62F939B6-93AF-4DB8-9C6B-D6C7DFDC589F}" vid="{4A3C46E8-61CC-4603-A589-7422A47A8E4A}"/>
+      <thm15:themeFamily xmlns:thm15="http://schemas.microsoft.com/office/thememl/2012/main" xmlns="" name="Office Theme" id="{62F939B6-93AF-4DB8-9C6B-D6C7DFDC589F}" vid="{4A3C46E8-61CC-4603-A589-7422A47A8E4A}"/>
     </a:ext>
   </a:extLst>
 </a:theme>
